--- a/28_reformkor_fő_kérdései.pptx
+++ b/28_reformkor_fő_kérdései.pptx
@@ -6379,8 +6379,13 @@
           <a:p>
             <a:r>
               <a:rPr lang="hu-HU" dirty="0"/>
-              <a:t>5 reformországgyűlést tartottak 1825 és 1848 között.</a:t>
-            </a:r>
+              <a:t>5 reformországgyűlést tartottak 1825 és 1848 </a:t>
+            </a:r>
+            <a:r>
+              <a:rPr lang="hu-HU"/>
+              <a:t>között. </a:t>
+            </a:r>
+            <a:endParaRPr lang="hu-HU" dirty="0"/>
           </a:p>
           <a:p>
             <a:r>
